--- a/ppt/Slide-CPATCHA-v0.1.pptx
+++ b/ppt/Slide-CPATCHA-v0.1.pptx
@@ -264,7 +264,7 @@
             </a:pPr>
             <a:fld id="{0020461A-25F5-CD4A-B187-5B432C892BCA}" type="datetimeFigureOut">
               <a:rPr lang="zh-CN" altLang="en-US"/>
-              <a:t>2017/10/30</a:t>
+              <a:t>2017/10/31</a:t>
             </a:fld>
             <a:endParaRPr lang="zh-CN" altLang="en-US"/>
           </a:p>
@@ -1466,7 +1466,7 @@
             </a:pPr>
             <a:fld id="{95061245-B498-1047-BA2E-2554514C4025}" type="datetime1">
               <a:rPr lang="zh-CN" altLang="en-US"/>
-              <a:t>2017/10/30</a:t>
+              <a:t>2017/10/31</a:t>
             </a:fld>
             <a:endParaRPr lang="zh-CN" altLang="en-US" sz="1800"/>
           </a:p>
@@ -1652,7 +1652,7 @@
             </a:pPr>
             <a:fld id="{1C5271A4-08CC-694F-B1E5-19E5C3E88945}" type="datetime1">
               <a:rPr lang="zh-CN" altLang="en-US"/>
-              <a:t>2017/10/30</a:t>
+              <a:t>2017/10/31</a:t>
             </a:fld>
             <a:endParaRPr lang="zh-CN" altLang="en-US" sz="1800"/>
           </a:p>
@@ -1848,7 +1848,7 @@
             </a:pPr>
             <a:fld id="{6FFB4057-B1F2-2145-B0F1-8A62B7BBE7BE}" type="datetime1">
               <a:rPr lang="zh-CN" altLang="en-US"/>
-              <a:t>2017/10/30</a:t>
+              <a:t>2017/10/31</a:t>
             </a:fld>
             <a:endParaRPr lang="zh-CN" altLang="en-US" sz="1800"/>
           </a:p>
@@ -2034,7 +2034,7 @@
             </a:pPr>
             <a:fld id="{E9BC5015-1051-CB48-A33E-F22ECFD847DC}" type="datetime1">
               <a:rPr lang="zh-CN" altLang="en-US"/>
-              <a:t>2017/10/30</a:t>
+              <a:t>2017/10/31</a:t>
             </a:fld>
             <a:endParaRPr lang="zh-CN" altLang="en-US" sz="1800"/>
           </a:p>
@@ -2242,7 +2242,7 @@
             </a:pPr>
             <a:fld id="{1900C02A-26B7-724D-8042-A4904BBA6151}" type="datetime1">
               <a:rPr lang="zh-CN" altLang="en-US"/>
-              <a:t>2017/10/30</a:t>
+              <a:t>2017/10/31</a:t>
             </a:fld>
             <a:endParaRPr lang="zh-CN" altLang="en-US" sz="1800"/>
           </a:p>
@@ -2490,7 +2490,7 @@
             </a:pPr>
             <a:fld id="{30B322F2-2742-3D40-A747-AF9DD82FD8AB}" type="datetime1">
               <a:rPr lang="zh-CN" altLang="en-US"/>
-              <a:t>2017/10/30</a:t>
+              <a:t>2017/10/31</a:t>
             </a:fld>
             <a:endParaRPr lang="zh-CN" altLang="en-US" sz="1800"/>
           </a:p>
@@ -2873,7 +2873,7 @@
             </a:pPr>
             <a:fld id="{2307F06E-ACE5-E747-93F1-F07BF955EE71}" type="datetime1">
               <a:rPr lang="zh-CN" altLang="en-US"/>
-              <a:t>2017/10/30</a:t>
+              <a:t>2017/10/31</a:t>
             </a:fld>
             <a:endParaRPr lang="zh-CN" altLang="en-US" sz="1800"/>
           </a:p>
@@ -3007,7 +3007,7 @@
             </a:pPr>
             <a:fld id="{EE0883F3-7101-8149-AAC0-04646CCD6593}" type="datetime1">
               <a:rPr lang="zh-CN" altLang="en-US"/>
-              <a:t>2017/10/30</a:t>
+              <a:t>2017/10/31</a:t>
             </a:fld>
             <a:endParaRPr lang="zh-CN" altLang="en-US" sz="1800"/>
           </a:p>
@@ -3118,7 +3118,7 @@
             </a:pPr>
             <a:fld id="{F6906F02-3056-4C43-BBC0-6DF0B643F554}" type="datetime1">
               <a:rPr lang="zh-CN" altLang="en-US"/>
-              <a:t>2017/10/30</a:t>
+              <a:t>2017/10/31</a:t>
             </a:fld>
             <a:endParaRPr lang="zh-CN" altLang="en-US" sz="1800"/>
           </a:p>
@@ -3411,7 +3411,7 @@
             </a:pPr>
             <a:fld id="{088BDC92-9493-B44C-AF14-2B722043D5BF}" type="datetime1">
               <a:rPr lang="zh-CN" altLang="en-US"/>
-              <a:t>2017/10/30</a:t>
+              <a:t>2017/10/31</a:t>
             </a:fld>
             <a:endParaRPr lang="zh-CN" altLang="en-US" sz="1800"/>
           </a:p>
@@ -3683,7 +3683,7 @@
             </a:pPr>
             <a:fld id="{2D48A5EF-27FA-ED4F-8ABB-0CC329493CE3}" type="datetime1">
               <a:rPr lang="zh-CN" altLang="en-US"/>
-              <a:t>2017/10/30</a:t>
+              <a:t>2017/10/31</a:t>
             </a:fld>
             <a:endParaRPr lang="zh-CN" altLang="en-US" sz="1800"/>
           </a:p>
@@ -3986,7 +3986,7 @@
             </a:pPr>
             <a:fld id="{63748CC2-A606-0446-AB40-88F8FB96A3AD}" type="datetime1">
               <a:rPr lang="zh-CN" altLang="en-US"/>
-              <a:t>2017/10/30</a:t>
+              <a:t>2017/10/31</a:t>
             </a:fld>
             <a:endParaRPr lang="zh-CN" altLang="en-US" sz="1800"/>
           </a:p>
@@ -5037,7 +5037,7 @@
               <a:buNone/>
             </a:pPr>
             <a:r>
-              <a:rPr lang="zh-TW" altLang="en-US" sz="1800">
+              <a:rPr lang="zh-TW" altLang="en-US" sz="1800" dirty="0">
                 <a:latin typeface="等线 Light" panose="02010600030101010101" charset="-122"/>
                 <a:ea typeface="等线 Light" panose="02010600030101010101" charset="-122"/>
               </a:rPr>
@@ -5201,65 +5201,6 @@
           </a:p>
         </p:txBody>
       </p:sp>
-      <p:sp>
-        <p:nvSpPr>
-          <p:cNvPr id="6148" name="文本框 5"/>
-          <p:cNvSpPr txBox="1"/>
-          <p:nvPr/>
-        </p:nvSpPr>
-        <p:spPr>
-          <a:xfrm>
-            <a:off x="609600" y="1814513"/>
-            <a:ext cx="4095750" cy="1198563"/>
-          </a:xfrm>
-          <a:prstGeom prst="rect">
-            <a:avLst/>
-          </a:prstGeom>
-        </p:spPr>
-        <p:style>
-          <a:lnRef idx="0">
-            <a:schemeClr val="accent3"/>
-          </a:lnRef>
-          <a:fillRef idx="3">
-            <a:schemeClr val="accent3"/>
-          </a:fillRef>
-          <a:effectRef idx="3">
-            <a:schemeClr val="accent3"/>
-          </a:effectRef>
-          <a:fontRef idx="minor">
-            <a:schemeClr val="lt1"/>
-          </a:fontRef>
-        </p:style>
-        <p:txBody>
-          <a:bodyPr wrap="square" anchor="t">
-            <a:spAutoFit/>
-          </a:bodyPr>
-          <a:lstStyle/>
-          <a:p>
-            <a:pPr eaLnBrk="0" fontAlgn="base" hangingPunct="0"/>
-            <a:r>
-              <a:rPr lang="en-US" altLang="zh-CN" strike="noStrike" noProof="1">
-                <a:solidFill>
-                  <a:schemeClr val="tx1"/>
-                </a:solidFill>
-                <a:latin typeface="Arial" panose="020B0604020202020204" pitchFamily="34" charset="0"/>
-                <a:ea typeface="宋体" panose="02010600030101010101" pitchFamily="2" charset="-122"/>
-              </a:rPr>
-              <a:t>      </a:t>
-            </a:r>
-            <a:r>
-              <a:rPr lang="zh-CN" altLang="en-US" sz="2400" strike="noStrike" noProof="1">
-                <a:solidFill>
-                  <a:schemeClr val="tx1"/>
-                </a:solidFill>
-                <a:latin typeface="黑体" panose="02010609060101010101" charset="-122"/>
-                <a:ea typeface="黑体" panose="02010609060101010101" charset="-122"/>
-              </a:rPr>
-              <a:t>划分为若干行滑动区，只有一个滑动块，将滑动块拼到正确的区域则验证成功</a:t>
-            </a:r>
-          </a:p>
-        </p:txBody>
-      </p:sp>
       <p:pic>
         <p:nvPicPr>
           <p:cNvPr id="6149" name="图片 1"/>
@@ -5276,7 +5217,7 @@
         </p:blipFill>
         <p:spPr>
           <a:xfrm>
-            <a:off x="4778375" y="1231900"/>
+            <a:off x="5310455" y="1231900"/>
             <a:ext cx="6257925" cy="4802188"/>
           </a:xfrm>
           <a:prstGeom prst="rect">
@@ -5296,8 +5237,8 @@
         </p:nvSpPr>
         <p:spPr>
           <a:xfrm>
-            <a:off x="609600" y="3268663"/>
-            <a:ext cx="4095750" cy="2552700"/>
+            <a:off x="609600" y="3756500"/>
+            <a:ext cx="4838355" cy="1938992"/>
           </a:xfrm>
           <a:prstGeom prst="rect">
             <a:avLst/>
@@ -5337,6 +5278,38 @@
             </a:r>
           </a:p>
           <a:p>
+            <a:r>
+              <a:rPr lang="en-US" altLang="zh-CN" sz="2000" dirty="0" smtClean="0">
+                <a:solidFill>
+                  <a:schemeClr val="tx1"/>
+                </a:solidFill>
+              </a:rPr>
+              <a:t>  </a:t>
+            </a:r>
+            <a:r>
+              <a:rPr lang="zh-CN" altLang="zh-CN" sz="2000" dirty="0" smtClean="0">
+                <a:solidFill>
+                  <a:schemeClr val="tx1"/>
+                </a:solidFill>
+              </a:rPr>
+              <a:t>安全性</a:t>
+            </a:r>
+            <a:r>
+              <a:rPr lang="zh-CN" altLang="zh-CN" sz="2000" dirty="0">
+                <a:solidFill>
+                  <a:schemeClr val="tx1"/>
+                </a:solidFill>
+              </a:rPr>
+              <a:t>高，面面兼顾，能够有效地抵御各种攻击方法，尤其是蛮力攻击</a:t>
+            </a:r>
+            <a:endParaRPr lang="zh-CN" altLang="en-US" sz="2400" strike="noStrike" noProof="1">
+              <a:solidFill>
+                <a:schemeClr val="tx1"/>
+              </a:solidFill>
+              <a:sym typeface="+mn-ea"/>
+            </a:endParaRPr>
+          </a:p>
+          <a:p>
             <a:pPr fontAlgn="base"/>
             <a:r>
               <a:rPr lang="zh-CN" altLang="en-US" sz="2000" strike="noStrike" noProof="1">
@@ -5347,8 +5320,13 @@
                 <a:ea typeface="黑体" panose="02010609060101010101" charset="-122"/>
                 <a:sym typeface="+mn-ea"/>
               </a:rPr>
-              <a:t>  </a:t>
-            </a:r>
+              <a:t>缺点</a:t>
+            </a:r>
+          </a:p>
+          <a:p>
+            <a:pPr algn="l" fontAlgn="ctr">
+              <a:buNone/>
+            </a:pPr>
             <a:r>
               <a:rPr lang="zh-CN" altLang="en-US" sz="2000" strike="noStrike" noProof="1">
                 <a:solidFill>
@@ -5356,11 +5334,28 @@
                 </a:solidFill>
                 <a:sym typeface="+mn-ea"/>
               </a:rPr>
-              <a:t>侧重于辨别阴影区形状，既兼顾了用户友好又增强了安全性</a:t>
-            </a:r>
-          </a:p>
-          <a:p>
-            <a:pPr fontAlgn="base"/>
+              <a:t>  </a:t>
+            </a:r>
+            <a:r>
+              <a:rPr lang="zh-CN" altLang="en-US" sz="2000" strike="noStrike" noProof="1" smtClean="0">
+                <a:solidFill>
+                  <a:schemeClr val="tx1"/>
+                </a:solidFill>
+                <a:latin typeface="等线" panose="02010600030101010101" pitchFamily="2" charset="-122"/>
+                <a:ea typeface="等线" panose="02010600030101010101" pitchFamily="2" charset="-122"/>
+                <a:sym typeface="+mn-ea"/>
+              </a:rPr>
+              <a:t>① </a:t>
+            </a:r>
+            <a:r>
+              <a:rPr lang="zh-CN" altLang="en-US" sz="2000" strike="noStrike" noProof="1" smtClean="0">
+                <a:solidFill>
+                  <a:schemeClr val="tx1"/>
+                </a:solidFill>
+                <a:sym typeface="+mn-ea"/>
+              </a:rPr>
+              <a:t>太复杂</a:t>
+            </a:r>
             <a:endParaRPr lang="zh-CN" altLang="en-US" sz="2000" strike="noStrike" noProof="1">
               <a:solidFill>
                 <a:schemeClr val="tx1"/>
@@ -5369,20 +5364,6 @@
             </a:endParaRPr>
           </a:p>
           <a:p>
-            <a:pPr fontAlgn="base"/>
-            <a:r>
-              <a:rPr lang="zh-CN" altLang="en-US" sz="2000" strike="noStrike" noProof="1">
-                <a:solidFill>
-                  <a:schemeClr val="tx1"/>
-                </a:solidFill>
-                <a:latin typeface="黑体" panose="02010609060101010101" charset="-122"/>
-                <a:ea typeface="黑体" panose="02010609060101010101" charset="-122"/>
-                <a:sym typeface="+mn-ea"/>
-              </a:rPr>
-              <a:t>缺点</a:t>
-            </a:r>
-          </a:p>
-          <a:p>
             <a:pPr algn="l" fontAlgn="ctr">
               <a:buNone/>
             </a:pPr>
@@ -5396,41 +5377,7 @@
               <a:t>  </a:t>
             </a:r>
             <a:r>
-              <a:rPr lang="zh-CN" altLang="en-US" sz="2000" strike="noStrike" noProof="1">
-                <a:solidFill>
-                  <a:schemeClr val="tx1"/>
-                </a:solidFill>
-                <a:latin typeface="等线" panose="02010600030101010101" pitchFamily="2" charset="-122"/>
-                <a:ea typeface="等线" panose="02010600030101010101" pitchFamily="2" charset="-122"/>
-                <a:sym typeface="+mn-ea"/>
-              </a:rPr>
-              <a:t>① </a:t>
-            </a:r>
-            <a:r>
-              <a:rPr lang="zh-CN" altLang="en-US" sz="2000" strike="noStrike" noProof="1">
-                <a:solidFill>
-                  <a:schemeClr val="tx1"/>
-                </a:solidFill>
-                <a:sym typeface="+mn-ea"/>
-              </a:rPr>
-              <a:t>太复杂</a:t>
-            </a:r>
-          </a:p>
-          <a:p>
-            <a:pPr algn="l" fontAlgn="ctr">
-              <a:buNone/>
-            </a:pPr>
-            <a:r>
-              <a:rPr lang="zh-CN" altLang="en-US" sz="2000" strike="noStrike" noProof="1">
-                <a:solidFill>
-                  <a:schemeClr val="tx1"/>
-                </a:solidFill>
-                <a:sym typeface="+mn-ea"/>
-              </a:rPr>
-              <a:t>  </a:t>
-            </a:r>
-            <a:r>
-              <a:rPr lang="zh-CN" altLang="en-US" sz="2000" strike="noStrike" noProof="1">
+              <a:rPr lang="zh-CN" altLang="en-US" sz="2000" strike="noStrike" noProof="1" smtClean="0">
                 <a:solidFill>
                   <a:schemeClr val="tx1"/>
                 </a:solidFill>
@@ -5441,14 +5388,20 @@
               <a:t>② </a:t>
             </a:r>
             <a:r>
-              <a:rPr lang="zh-CN" altLang="en-US" sz="2000" strike="noStrike" noProof="1">
+              <a:rPr lang="zh-CN" altLang="en-US" sz="2000" strike="noStrike" noProof="1" smtClean="0">
                 <a:solidFill>
                   <a:schemeClr val="tx1"/>
                 </a:solidFill>
                 <a:sym typeface="+mn-ea"/>
               </a:rPr>
-              <a:t>如果重点设计机器辨别阴影区形状的能力，此方案很容易被破解</a:t>
-            </a:r>
+              <a:t>对用户不友好</a:t>
+            </a:r>
+            <a:endParaRPr lang="zh-CN" altLang="en-US" sz="2000" strike="noStrike" noProof="1">
+              <a:solidFill>
+                <a:schemeClr val="tx1"/>
+              </a:solidFill>
+              <a:sym typeface="+mn-ea"/>
+            </a:endParaRPr>
           </a:p>
         </p:txBody>
       </p:sp>
@@ -5663,6 +5616,61 @@
               </a:rPr>
               <a:t>2017-10-27</a:t>
             </a:r>
+          </a:p>
+        </p:txBody>
+      </p:sp>
+      <p:sp>
+        <p:nvSpPr>
+          <p:cNvPr id="6148" name="文本框 5"/>
+          <p:cNvSpPr txBox="1"/>
+          <p:nvPr/>
+        </p:nvSpPr>
+        <p:spPr>
+          <a:xfrm>
+            <a:off x="609599" y="1700880"/>
+            <a:ext cx="4838356" cy="1938992"/>
+          </a:xfrm>
+          <a:prstGeom prst="rect">
+            <a:avLst/>
+          </a:prstGeom>
+        </p:spPr>
+        <p:style>
+          <a:lnRef idx="0">
+            <a:schemeClr val="accent3"/>
+          </a:lnRef>
+          <a:fillRef idx="3">
+            <a:schemeClr val="accent3"/>
+          </a:fillRef>
+          <a:effectRef idx="3">
+            <a:schemeClr val="accent3"/>
+          </a:effectRef>
+          <a:fontRef idx="minor">
+            <a:schemeClr val="lt1"/>
+          </a:fontRef>
+        </p:style>
+        <p:txBody>
+          <a:bodyPr wrap="square" anchor="t">
+            <a:spAutoFit/>
+          </a:bodyPr>
+          <a:lstStyle/>
+          <a:p>
+            <a:r>
+              <a:rPr lang="zh-CN" altLang="zh-CN" sz="2400" dirty="0">
+                <a:solidFill>
+                  <a:schemeClr val="tx1"/>
+                </a:solidFill>
+                <a:latin typeface="黑体" panose="02010609060101010101" pitchFamily="49" charset="-122"/>
+                <a:ea typeface="黑体" panose="02010609060101010101" pitchFamily="49" charset="-122"/>
+              </a:rPr>
+              <a:t>此方案一次验证包含四张图片，整体划分为四块，但只有一个滑动区与一个滑动块，用户必须将这一个滑动块拼到正确的图片与形状区域才能验证成功。</a:t>
+            </a:r>
+            <a:endParaRPr lang="zh-CN" altLang="en-US" sz="3200" strike="noStrike" noProof="1">
+              <a:solidFill>
+                <a:schemeClr val="tx1"/>
+              </a:solidFill>
+              <a:latin typeface="黑体" panose="02010609060101010101" pitchFamily="49" charset="-122"/>
+              <a:ea typeface="黑体" panose="02010609060101010101" pitchFamily="49" charset="-122"/>
+            </a:endParaRPr>
           </a:p>
         </p:txBody>
       </p:sp>
@@ -6449,14 +6457,14 @@
           <p:nvPr>
             <p:extLst>
               <p:ext uri="{D42A27DB-BD31-4B8C-83A1-F6EECF244321}">
-                <p14:modId xmlns:p14="http://schemas.microsoft.com/office/powerpoint/2010/main" val="1002593464"/>
+                <p14:modId xmlns:p14="http://schemas.microsoft.com/office/powerpoint/2010/main" val="3741669302"/>
               </p:ext>
             </p:extLst>
           </p:nvPr>
         </p:nvGraphicFramePr>
         <p:xfrm>
-          <a:off x="1155700" y="1373188"/>
-          <a:ext cx="10426701" cy="4643435"/>
+          <a:off x="1285689" y="1247510"/>
+          <a:ext cx="10426701" cy="4917680"/>
         </p:xfrm>
         <a:graphic>
           <a:graphicData uri="http://schemas.openxmlformats.org/drawingml/2006/table">
@@ -6916,7 +6924,7 @@
                         <a:buNone/>
                       </a:pPr>
                       <a:r>
-                        <a:rPr lang="en-US" altLang="zh-CN" sz="1800" dirty="0">
+                        <a:rPr lang="en-US" altLang="zh-CN" sz="1800" dirty="0" smtClean="0">
                           <a:solidFill>
                             <a:schemeClr val="bg1"/>
                           </a:solidFill>
@@ -6927,16 +6935,25 @@
                         <a:t>*</a:t>
                       </a:r>
                       <a:r>
-                        <a:rPr lang="zh-CN" altLang="en-US" sz="1800" dirty="0">
+                        <a:rPr lang="zh-CN" altLang="zh-CN" sz="1800" kern="1200" dirty="0" smtClean="0">
                           <a:solidFill>
                             <a:schemeClr val="bg1"/>
                           </a:solidFill>
+                          <a:effectLst/>
                           <a:latin typeface="黑体" panose="02010609060101010101" pitchFamily="49" charset="-122"/>
                           <a:ea typeface="黑体" panose="02010609060101010101" pitchFamily="49" charset="-122"/>
-                          <a:cs typeface="Heiti SC Light" charset="-122"/>
+                          <a:cs typeface="+mn-cs"/>
                         </a:rPr>
-                        <a:t>侧重于辨别阴影区形状，既兼顾了用户友好又增强了安全性</a:t>
+                        <a:t>安全性高，面面兼顾，能够有效地抵御各种攻击方法，尤其是蛮力攻击</a:t>
                       </a:r>
+                      <a:endParaRPr lang="zh-CN" altLang="en-US" sz="1800" dirty="0">
+                        <a:solidFill>
+                          <a:schemeClr val="bg1"/>
+                        </a:solidFill>
+                        <a:latin typeface="黑体" panose="02010609060101010101" pitchFamily="49" charset="-122"/>
+                        <a:ea typeface="黑体" panose="02010609060101010101" pitchFamily="49" charset="-122"/>
+                        <a:cs typeface="Heiti SC Light" charset="-122"/>
+                      </a:endParaRPr>
                     </a:p>
                   </a:txBody>
                   <a:tcPr marL="91434" marR="91434" marT="45723" marB="45723" anchor="ctr">
@@ -6983,7 +7000,7 @@
                         <a:buNone/>
                       </a:pPr>
                       <a:r>
-                        <a:rPr lang="en-US" altLang="zh-CN" sz="1800" dirty="0">
+                        <a:rPr lang="en-US" altLang="zh-CN" sz="1800" dirty="0" smtClean="0">
                           <a:solidFill>
                             <a:schemeClr val="bg1"/>
                           </a:solidFill>
@@ -6994,16 +7011,25 @@
                         <a:t>*</a:t>
                       </a:r>
                       <a:r>
-                        <a:rPr lang="zh-CN" altLang="en-US" sz="1800" dirty="0">
+                        <a:rPr lang="zh-CN" altLang="zh-CN" sz="1800" kern="1200" dirty="0" smtClean="0">
                           <a:solidFill>
                             <a:schemeClr val="bg1"/>
                           </a:solidFill>
+                          <a:effectLst/>
                           <a:latin typeface="黑体" panose="02010609060101010101" pitchFamily="49" charset="-122"/>
                           <a:ea typeface="黑体" panose="02010609060101010101" pitchFamily="49" charset="-122"/>
-                          <a:cs typeface="Heiti SC Light" charset="-122"/>
+                          <a:cs typeface="+mn-cs"/>
                         </a:rPr>
-                        <a:t>如果重点设计机器辨别阴影区形状的能力，此方案很容易被破解</a:t>
+                        <a:t>用户不友好，此方案平均每个用户都要多次点击转换按钮并分辨四张图，用户难以区分且增加了验证时间</a:t>
                       </a:r>
+                      <a:endParaRPr lang="zh-CN" altLang="en-US" sz="1800" dirty="0">
+                        <a:solidFill>
+                          <a:schemeClr val="bg1"/>
+                        </a:solidFill>
+                        <a:latin typeface="黑体" panose="02010609060101010101" pitchFamily="49" charset="-122"/>
+                        <a:ea typeface="黑体" panose="02010609060101010101" pitchFamily="49" charset="-122"/>
+                        <a:cs typeface="Heiti SC Light" charset="-122"/>
+                      </a:endParaRPr>
                     </a:p>
                   </a:txBody>
                   <a:tcPr marL="91434" marR="91434" marT="45723" marB="45723" anchor="ctr">
@@ -7190,7 +7216,7 @@
         </p:blipFill>
         <p:spPr bwMode="auto">
           <a:xfrm>
-            <a:off x="2638425" y="2300288"/>
+            <a:off x="2638425" y="2132910"/>
             <a:ext cx="815975" cy="595312"/>
           </a:xfrm>
           <a:prstGeom prst="rect">
@@ -7244,7 +7270,7 @@
         </p:blipFill>
         <p:spPr bwMode="auto">
           <a:xfrm>
-            <a:off x="2638425" y="3192463"/>
+            <a:off x="2638425" y="3064558"/>
             <a:ext cx="1057275" cy="652462"/>
           </a:xfrm>
           <a:prstGeom prst="rect">
@@ -7298,7 +7324,7 @@
         </p:blipFill>
         <p:spPr bwMode="auto">
           <a:xfrm>
-            <a:off x="2638425" y="4179888"/>
+            <a:off x="2638425" y="4005040"/>
             <a:ext cx="952500" cy="690562"/>
           </a:xfrm>
           <a:prstGeom prst="rect">
@@ -7352,7 +7378,7 @@
         </p:blipFill>
         <p:spPr bwMode="auto">
           <a:xfrm>
-            <a:off x="2638425" y="5194300"/>
+            <a:off x="2495750" y="5390942"/>
             <a:ext cx="1141413" cy="630238"/>
           </a:xfrm>
           <a:prstGeom prst="rect">

--- a/ppt/Slide-CPATCHA-v0.1.pptx
+++ b/ppt/Slide-CPATCHA-v0.1.pptx
@@ -264,7 +264,7 @@
             </a:pPr>
             <a:fld id="{0020461A-25F5-CD4A-B187-5B432C892BCA}" type="datetimeFigureOut">
               <a:rPr lang="zh-CN" altLang="en-US"/>
-              <a:t>2017/10/31</a:t>
+              <a:t>2017/11/1</a:t>
             </a:fld>
             <a:endParaRPr lang="zh-CN" altLang="en-US"/>
           </a:p>
@@ -442,6 +442,11 @@
         </p:txBody>
       </p:sp>
     </p:spTree>
+    <p:extLst>
+      <p:ext uri="{BB962C8B-B14F-4D97-AF65-F5344CB8AC3E}">
+        <p14:creationId xmlns:p14="http://schemas.microsoft.com/office/powerpoint/2010/main" val="1952287440"/>
+      </p:ext>
+    </p:extLst>
   </p:cSld>
   <p:clrMap bg1="lt1" tx1="dk1" bg2="lt2" tx2="dk2" accent1="accent1" accent2="accent2" accent3="accent3" accent4="accent4" accent5="accent5" accent6="accent6" hlink="hlink" folHlink="folHlink"/>
   <p:notesStyle>
@@ -815,6 +820,11 @@
         </p:txBody>
       </p:sp>
     </p:spTree>
+    <p:extLst>
+      <p:ext uri="{BB962C8B-B14F-4D97-AF65-F5344CB8AC3E}">
+        <p14:creationId xmlns:p14="http://schemas.microsoft.com/office/powerpoint/2010/main" val="2410273168"/>
+      </p:ext>
+    </p:extLst>
   </p:cSld>
   <p:clrMapOvr>
     <a:masterClrMapping/>
@@ -1068,6 +1078,11 @@
         </p:txBody>
       </p:sp>
     </p:spTree>
+    <p:extLst>
+      <p:ext uri="{BB962C8B-B14F-4D97-AF65-F5344CB8AC3E}">
+        <p14:creationId xmlns:p14="http://schemas.microsoft.com/office/powerpoint/2010/main" val="4264756012"/>
+      </p:ext>
+    </p:extLst>
   </p:cSld>
   <p:clrMapOvr>
     <a:masterClrMapping/>
@@ -1321,6 +1336,11 @@
         </p:txBody>
       </p:sp>
     </p:spTree>
+    <p:extLst>
+      <p:ext uri="{BB962C8B-B14F-4D97-AF65-F5344CB8AC3E}">
+        <p14:creationId xmlns:p14="http://schemas.microsoft.com/office/powerpoint/2010/main" val="1241600724"/>
+      </p:ext>
+    </p:extLst>
   </p:cSld>
   <p:clrMapOvr>
     <a:masterClrMapping/>
@@ -1466,7 +1486,7 @@
             </a:pPr>
             <a:fld id="{95061245-B498-1047-BA2E-2554514C4025}" type="datetime1">
               <a:rPr lang="zh-CN" altLang="en-US"/>
-              <a:t>2017/10/31</a:t>
+              <a:t>2017/11/1</a:t>
             </a:fld>
             <a:endParaRPr lang="zh-CN" altLang="en-US" sz="1800"/>
           </a:p>
@@ -1652,7 +1672,7 @@
             </a:pPr>
             <a:fld id="{1C5271A4-08CC-694F-B1E5-19E5C3E88945}" type="datetime1">
               <a:rPr lang="zh-CN" altLang="en-US"/>
-              <a:t>2017/10/31</a:t>
+              <a:t>2017/11/1</a:t>
             </a:fld>
             <a:endParaRPr lang="zh-CN" altLang="en-US" sz="1800"/>
           </a:p>
@@ -1848,7 +1868,7 @@
             </a:pPr>
             <a:fld id="{6FFB4057-B1F2-2145-B0F1-8A62B7BBE7BE}" type="datetime1">
               <a:rPr lang="zh-CN" altLang="en-US"/>
-              <a:t>2017/10/31</a:t>
+              <a:t>2017/11/1</a:t>
             </a:fld>
             <a:endParaRPr lang="zh-CN" altLang="en-US" sz="1800"/>
           </a:p>
@@ -2034,7 +2054,7 @@
             </a:pPr>
             <a:fld id="{E9BC5015-1051-CB48-A33E-F22ECFD847DC}" type="datetime1">
               <a:rPr lang="zh-CN" altLang="en-US"/>
-              <a:t>2017/10/31</a:t>
+              <a:t>2017/11/1</a:t>
             </a:fld>
             <a:endParaRPr lang="zh-CN" altLang="en-US" sz="1800"/>
           </a:p>
@@ -2242,7 +2262,7 @@
             </a:pPr>
             <a:fld id="{1900C02A-26B7-724D-8042-A4904BBA6151}" type="datetime1">
               <a:rPr lang="zh-CN" altLang="en-US"/>
-              <a:t>2017/10/31</a:t>
+              <a:t>2017/11/1</a:t>
             </a:fld>
             <a:endParaRPr lang="zh-CN" altLang="en-US" sz="1800"/>
           </a:p>
@@ -2490,7 +2510,7 @@
             </a:pPr>
             <a:fld id="{30B322F2-2742-3D40-A747-AF9DD82FD8AB}" type="datetime1">
               <a:rPr lang="zh-CN" altLang="en-US"/>
-              <a:t>2017/10/31</a:t>
+              <a:t>2017/11/1</a:t>
             </a:fld>
             <a:endParaRPr lang="zh-CN" altLang="en-US" sz="1800"/>
           </a:p>
@@ -2873,7 +2893,7 @@
             </a:pPr>
             <a:fld id="{2307F06E-ACE5-E747-93F1-F07BF955EE71}" type="datetime1">
               <a:rPr lang="zh-CN" altLang="en-US"/>
-              <a:t>2017/10/31</a:t>
+              <a:t>2017/11/1</a:t>
             </a:fld>
             <a:endParaRPr lang="zh-CN" altLang="en-US" sz="1800"/>
           </a:p>
@@ -3007,7 +3027,7 @@
             </a:pPr>
             <a:fld id="{EE0883F3-7101-8149-AAC0-04646CCD6593}" type="datetime1">
               <a:rPr lang="zh-CN" altLang="en-US"/>
-              <a:t>2017/10/31</a:t>
+              <a:t>2017/11/1</a:t>
             </a:fld>
             <a:endParaRPr lang="zh-CN" altLang="en-US" sz="1800"/>
           </a:p>
@@ -3118,7 +3138,7 @@
             </a:pPr>
             <a:fld id="{F6906F02-3056-4C43-BBC0-6DF0B643F554}" type="datetime1">
               <a:rPr lang="zh-CN" altLang="en-US"/>
-              <a:t>2017/10/31</a:t>
+              <a:t>2017/11/1</a:t>
             </a:fld>
             <a:endParaRPr lang="zh-CN" altLang="en-US" sz="1800"/>
           </a:p>
@@ -3411,7 +3431,7 @@
             </a:pPr>
             <a:fld id="{088BDC92-9493-B44C-AF14-2B722043D5BF}" type="datetime1">
               <a:rPr lang="zh-CN" altLang="en-US"/>
-              <a:t>2017/10/31</a:t>
+              <a:t>2017/11/1</a:t>
             </a:fld>
             <a:endParaRPr lang="zh-CN" altLang="en-US" sz="1800"/>
           </a:p>
@@ -3683,7 +3703,7 @@
             </a:pPr>
             <a:fld id="{2D48A5EF-27FA-ED4F-8ABB-0CC329493CE3}" type="datetime1">
               <a:rPr lang="zh-CN" altLang="en-US"/>
-              <a:t>2017/10/31</a:t>
+              <a:t>2017/11/1</a:t>
             </a:fld>
             <a:endParaRPr lang="zh-CN" altLang="en-US" sz="1800"/>
           </a:p>
@@ -3986,7 +4006,7 @@
             </a:pPr>
             <a:fld id="{63748CC2-A606-0446-AB40-88F8FB96A3AD}" type="datetime1">
               <a:rPr lang="zh-CN" altLang="en-US"/>
-              <a:t>2017/10/31</a:t>
+              <a:t>2017/11/1</a:t>
             </a:fld>
             <a:endParaRPr lang="zh-CN" altLang="en-US" sz="1800"/>
           </a:p>
@@ -6476,21 +6496,21 @@
                 <a:gridCol w="3068170">
                   <a:extLst>
                     <a:ext uri="{9D8B030D-6E8A-4147-A177-3AD203B41FA5}">
-                      <a16:colId xmlns:a16="http://schemas.microsoft.com/office/drawing/2014/main" val="20000"/>
+                      <a16:colId xmlns:a16="http://schemas.microsoft.com/office/drawing/2014/main" xmlns="" val="20000"/>
                     </a:ext>
                   </a:extLst>
                 </a:gridCol>
                 <a:gridCol w="3600250">
                   <a:extLst>
                     <a:ext uri="{9D8B030D-6E8A-4147-A177-3AD203B41FA5}">
-                      <a16:colId xmlns:a16="http://schemas.microsoft.com/office/drawing/2014/main" val="20001"/>
+                      <a16:colId xmlns:a16="http://schemas.microsoft.com/office/drawing/2014/main" xmlns="" val="20001"/>
                     </a:ext>
                   </a:extLst>
                 </a:gridCol>
                 <a:gridCol w="3758281">
                   <a:extLst>
                     <a:ext uri="{9D8B030D-6E8A-4147-A177-3AD203B41FA5}">
-                      <a16:colId xmlns:a16="http://schemas.microsoft.com/office/drawing/2014/main" val="20002"/>
+                      <a16:colId xmlns:a16="http://schemas.microsoft.com/office/drawing/2014/main" xmlns="" val="20002"/>
                     </a:ext>
                   </a:extLst>
                 </a:gridCol>
@@ -6585,7 +6605,7 @@
                 </a:tc>
                 <a:extLst>
                   <a:ext uri="{0D108BD9-81ED-4DB2-BD59-A6C34878D82A}">
-                    <a16:rowId xmlns:a16="http://schemas.microsoft.com/office/drawing/2014/main" val="10000"/>
+                    <a16:rowId xmlns:a16="http://schemas.microsoft.com/office/drawing/2014/main" xmlns="" val="10000"/>
                   </a:ext>
                 </a:extLst>
               </a:tr>
@@ -6738,7 +6758,7 @@
                 </a:tc>
                 <a:extLst>
                   <a:ext uri="{0D108BD9-81ED-4DB2-BD59-A6C34878D82A}">
-                    <a16:rowId xmlns:a16="http://schemas.microsoft.com/office/drawing/2014/main" val="10001"/>
+                    <a16:rowId xmlns:a16="http://schemas.microsoft.com/office/drawing/2014/main" xmlns="" val="10001"/>
                   </a:ext>
                 </a:extLst>
               </a:tr>
@@ -6881,7 +6901,7 @@
                 </a:tc>
                 <a:extLst>
                   <a:ext uri="{0D108BD9-81ED-4DB2-BD59-A6C34878D82A}">
-                    <a16:rowId xmlns:a16="http://schemas.microsoft.com/office/drawing/2014/main" val="10002"/>
+                    <a16:rowId xmlns:a16="http://schemas.microsoft.com/office/drawing/2014/main" xmlns="" val="10002"/>
                   </a:ext>
                 </a:extLst>
               </a:tr>
@@ -7042,7 +7062,7 @@
                 </a:tc>
                 <a:extLst>
                   <a:ext uri="{0D108BD9-81ED-4DB2-BD59-A6C34878D82A}">
-                    <a16:rowId xmlns:a16="http://schemas.microsoft.com/office/drawing/2014/main" val="10003"/>
+                    <a16:rowId xmlns:a16="http://schemas.microsoft.com/office/drawing/2014/main" xmlns="" val="10003"/>
                   </a:ext>
                 </a:extLst>
               </a:tr>
@@ -7185,7 +7205,7 @@
                 </a:tc>
                 <a:extLst>
                   <a:ext uri="{0D108BD9-81ED-4DB2-BD59-A6C34878D82A}">
-                    <a16:rowId xmlns:a16="http://schemas.microsoft.com/office/drawing/2014/main" val="10004"/>
+                    <a16:rowId xmlns:a16="http://schemas.microsoft.com/office/drawing/2014/main" xmlns="" val="10004"/>
                   </a:ext>
                 </a:extLst>
               </a:tr>
